--- a/figs.pptx
+++ b/figs.pptx
@@ -6,6 +6,7 @@
   </p:sldMasterIdLst>
   <p:sldIdLst>
     <p:sldId id="256" r:id="rId2"/>
+    <p:sldId id="257" r:id="rId3"/>
   </p:sldIdLst>
   <p:sldSz cx="12192000" cy="6858000"/>
   <p:notesSz cx="6858000" cy="9144000"/>
@@ -104,6 +105,11 @@
       </a:defRPr>
     </a:lvl9pPr>
   </p:defaultTextStyle>
+  <p:extLst>
+    <p:ext uri="{EFAFB233-063F-42B5-8137-9DF3F51BA10A}">
+      <p15:sldGuideLst xmlns:p15="http://schemas.microsoft.com/office/powerpoint/2012/main"/>
+    </p:ext>
+  </p:extLst>
 </p:presentation>
 </file>
 
@@ -256,7 +262,7 @@
           <a:p>
             <a:fld id="{48F578B8-6E67-EF43-B0BC-E109812E9679}" type="datetimeFigureOut">
               <a:rPr lang="en-JP" smtClean="0"/>
-              <a:t>2022/11/21</a:t>
+              <a:t>2023/01/02</a:t>
             </a:fld>
             <a:endParaRPr lang="en-JP"/>
           </a:p>
@@ -456,7 +462,7 @@
           <a:p>
             <a:fld id="{48F578B8-6E67-EF43-B0BC-E109812E9679}" type="datetimeFigureOut">
               <a:rPr lang="en-JP" smtClean="0"/>
-              <a:t>2022/11/21</a:t>
+              <a:t>2023/01/02</a:t>
             </a:fld>
             <a:endParaRPr lang="en-JP"/>
           </a:p>
@@ -666,7 +672,7 @@
           <a:p>
             <a:fld id="{48F578B8-6E67-EF43-B0BC-E109812E9679}" type="datetimeFigureOut">
               <a:rPr lang="en-JP" smtClean="0"/>
-              <a:t>2022/11/21</a:t>
+              <a:t>2023/01/02</a:t>
             </a:fld>
             <a:endParaRPr lang="en-JP"/>
           </a:p>
@@ -866,7 +872,7 @@
           <a:p>
             <a:fld id="{48F578B8-6E67-EF43-B0BC-E109812E9679}" type="datetimeFigureOut">
               <a:rPr lang="en-JP" smtClean="0"/>
-              <a:t>2022/11/21</a:t>
+              <a:t>2023/01/02</a:t>
             </a:fld>
             <a:endParaRPr lang="en-JP"/>
           </a:p>
@@ -1142,7 +1148,7 @@
           <a:p>
             <a:fld id="{48F578B8-6E67-EF43-B0BC-E109812E9679}" type="datetimeFigureOut">
               <a:rPr lang="en-JP" smtClean="0"/>
-              <a:t>2022/11/21</a:t>
+              <a:t>2023/01/02</a:t>
             </a:fld>
             <a:endParaRPr lang="en-JP"/>
           </a:p>
@@ -1410,7 +1416,7 @@
           <a:p>
             <a:fld id="{48F578B8-6E67-EF43-B0BC-E109812E9679}" type="datetimeFigureOut">
               <a:rPr lang="en-JP" smtClean="0"/>
-              <a:t>2022/11/21</a:t>
+              <a:t>2023/01/02</a:t>
             </a:fld>
             <a:endParaRPr lang="en-JP"/>
           </a:p>
@@ -1825,7 +1831,7 @@
           <a:p>
             <a:fld id="{48F578B8-6E67-EF43-B0BC-E109812E9679}" type="datetimeFigureOut">
               <a:rPr lang="en-JP" smtClean="0"/>
-              <a:t>2022/11/21</a:t>
+              <a:t>2023/01/02</a:t>
             </a:fld>
             <a:endParaRPr lang="en-JP"/>
           </a:p>
@@ -1967,7 +1973,7 @@
           <a:p>
             <a:fld id="{48F578B8-6E67-EF43-B0BC-E109812E9679}" type="datetimeFigureOut">
               <a:rPr lang="en-JP" smtClean="0"/>
-              <a:t>2022/11/21</a:t>
+              <a:t>2023/01/02</a:t>
             </a:fld>
             <a:endParaRPr lang="en-JP"/>
           </a:p>
@@ -2080,7 +2086,7 @@
           <a:p>
             <a:fld id="{48F578B8-6E67-EF43-B0BC-E109812E9679}" type="datetimeFigureOut">
               <a:rPr lang="en-JP" smtClean="0"/>
-              <a:t>2022/11/21</a:t>
+              <a:t>2023/01/02</a:t>
             </a:fld>
             <a:endParaRPr lang="en-JP"/>
           </a:p>
@@ -2393,7 +2399,7 @@
           <a:p>
             <a:fld id="{48F578B8-6E67-EF43-B0BC-E109812E9679}" type="datetimeFigureOut">
               <a:rPr lang="en-JP" smtClean="0"/>
-              <a:t>2022/11/21</a:t>
+              <a:t>2023/01/02</a:t>
             </a:fld>
             <a:endParaRPr lang="en-JP"/>
           </a:p>
@@ -2682,7 +2688,7 @@
           <a:p>
             <a:fld id="{48F578B8-6E67-EF43-B0BC-E109812E9679}" type="datetimeFigureOut">
               <a:rPr lang="en-JP" smtClean="0"/>
-              <a:t>2022/11/21</a:t>
+              <a:t>2023/01/02</a:t>
             </a:fld>
             <a:endParaRPr lang="en-JP"/>
           </a:p>
@@ -2925,7 +2931,7 @@
           <a:p>
             <a:fld id="{48F578B8-6E67-EF43-B0BC-E109812E9679}" type="datetimeFigureOut">
               <a:rPr lang="en-JP" smtClean="0"/>
-              <a:t>2022/11/21</a:t>
+              <a:t>2023/01/02</a:t>
             </a:fld>
             <a:endParaRPr lang="en-JP"/>
           </a:p>
@@ -3610,6 +3616,522 @@
 </p:sld>
 </file>
 
+<file path=ppt/slides/slide2.xml><?xml version="1.0" encoding="utf-8"?>
+<p:sld xmlns:a="http://schemas.openxmlformats.org/drawingml/2006/main" xmlns:r="http://schemas.openxmlformats.org/officeDocument/2006/relationships" xmlns:p="http://schemas.openxmlformats.org/presentationml/2006/main">
+  <p:cSld>
+    <p:spTree>
+      <p:nvGrpSpPr>
+        <p:cNvPr id="1" name=""/>
+        <p:cNvGrpSpPr/>
+        <p:nvPr/>
+      </p:nvGrpSpPr>
+      <p:grpSpPr>
+        <a:xfrm>
+          <a:off x="0" y="0"/>
+          <a:ext cx="0" cy="0"/>
+          <a:chOff x="0" y="0"/>
+          <a:chExt cx="0" cy="0"/>
+        </a:xfrm>
+      </p:grpSpPr>
+      <p:sp>
+        <p:nvSpPr>
+          <p:cNvPr id="3" name="Rectangle 2">
+            <a:extLst>
+              <a:ext uri="{FF2B5EF4-FFF2-40B4-BE49-F238E27FC236}">
+                <a16:creationId xmlns:a16="http://schemas.microsoft.com/office/drawing/2014/main" id="{D44B1CA5-586C-BD73-19EE-A48F9600B9C9}"/>
+              </a:ext>
+            </a:extLst>
+          </p:cNvPr>
+          <p:cNvSpPr/>
+          <p:nvPr/>
+        </p:nvSpPr>
+        <p:spPr>
+          <a:xfrm>
+            <a:off x="1371601" y="2264229"/>
+            <a:ext cx="5486400" cy="947057"/>
+          </a:xfrm>
+          <a:prstGeom prst="rect">
+            <a:avLst/>
+          </a:prstGeom>
+          <a:ln w="57150">
+            <a:solidFill>
+              <a:schemeClr val="tx1"/>
+            </a:solidFill>
+          </a:ln>
+        </p:spPr>
+        <p:style>
+          <a:lnRef idx="2">
+            <a:schemeClr val="accent3"/>
+          </a:lnRef>
+          <a:fillRef idx="1">
+            <a:schemeClr val="lt1"/>
+          </a:fillRef>
+          <a:effectRef idx="0">
+            <a:schemeClr val="accent3"/>
+          </a:effectRef>
+          <a:fontRef idx="minor">
+            <a:schemeClr val="dk1"/>
+          </a:fontRef>
+        </p:style>
+        <p:txBody>
+          <a:bodyPr rtlCol="0" anchor="ctr"/>
+          <a:lstStyle/>
+          <a:p>
+            <a:pPr algn="ctr"/>
+            <a:endParaRPr lang="en-JP"/>
+          </a:p>
+        </p:txBody>
+      </p:sp>
+      <p:sp>
+        <p:nvSpPr>
+          <p:cNvPr id="4" name="Rectangle 3">
+            <a:extLst>
+              <a:ext uri="{FF2B5EF4-FFF2-40B4-BE49-F238E27FC236}">
+                <a16:creationId xmlns:a16="http://schemas.microsoft.com/office/drawing/2014/main" id="{DC22138F-97F6-3D23-5476-A3D00A9C688B}"/>
+              </a:ext>
+            </a:extLst>
+          </p:cNvPr>
+          <p:cNvSpPr/>
+          <p:nvPr/>
+        </p:nvSpPr>
+        <p:spPr>
+          <a:xfrm>
+            <a:off x="6858000" y="2264228"/>
+            <a:ext cx="1567543" cy="947057"/>
+          </a:xfrm>
+          <a:prstGeom prst="rect">
+            <a:avLst/>
+          </a:prstGeom>
+          <a:ln w="57150">
+            <a:solidFill>
+              <a:schemeClr val="tx1"/>
+            </a:solidFill>
+          </a:ln>
+        </p:spPr>
+        <p:style>
+          <a:lnRef idx="2">
+            <a:schemeClr val="accent3"/>
+          </a:lnRef>
+          <a:fillRef idx="1">
+            <a:schemeClr val="lt1"/>
+          </a:fillRef>
+          <a:effectRef idx="0">
+            <a:schemeClr val="accent3"/>
+          </a:effectRef>
+          <a:fontRef idx="minor">
+            <a:schemeClr val="dk1"/>
+          </a:fontRef>
+        </p:style>
+        <p:txBody>
+          <a:bodyPr rtlCol="0" anchor="ctr"/>
+          <a:lstStyle/>
+          <a:p>
+            <a:pPr algn="ctr"/>
+            <a:endParaRPr lang="en-JP"/>
+          </a:p>
+        </p:txBody>
+      </p:sp>
+      <p:sp>
+        <p:nvSpPr>
+          <p:cNvPr id="5" name="Rectangle 4">
+            <a:extLst>
+              <a:ext uri="{FF2B5EF4-FFF2-40B4-BE49-F238E27FC236}">
+                <a16:creationId xmlns:a16="http://schemas.microsoft.com/office/drawing/2014/main" id="{E0802917-34B7-7B1D-25BF-5EA15CAB0FDC}"/>
+              </a:ext>
+            </a:extLst>
+          </p:cNvPr>
+          <p:cNvSpPr/>
+          <p:nvPr/>
+        </p:nvSpPr>
+        <p:spPr>
+          <a:xfrm>
+            <a:off x="8425543" y="2264227"/>
+            <a:ext cx="1567543" cy="947057"/>
+          </a:xfrm>
+          <a:prstGeom prst="rect">
+            <a:avLst/>
+          </a:prstGeom>
+          <a:ln w="57150">
+            <a:solidFill>
+              <a:schemeClr val="tx1"/>
+            </a:solidFill>
+          </a:ln>
+        </p:spPr>
+        <p:style>
+          <a:lnRef idx="2">
+            <a:schemeClr val="accent3"/>
+          </a:lnRef>
+          <a:fillRef idx="1">
+            <a:schemeClr val="lt1"/>
+          </a:fillRef>
+          <a:effectRef idx="0">
+            <a:schemeClr val="accent3"/>
+          </a:effectRef>
+          <a:fontRef idx="minor">
+            <a:schemeClr val="dk1"/>
+          </a:fontRef>
+        </p:style>
+        <p:txBody>
+          <a:bodyPr rtlCol="0" anchor="ctr"/>
+          <a:lstStyle/>
+          <a:p>
+            <a:pPr algn="ctr"/>
+            <a:endParaRPr lang="en-JP"/>
+          </a:p>
+        </p:txBody>
+      </p:sp>
+      <p:sp>
+        <p:nvSpPr>
+          <p:cNvPr id="6" name="Right Brace 5">
+            <a:extLst>
+              <a:ext uri="{FF2B5EF4-FFF2-40B4-BE49-F238E27FC236}">
+                <a16:creationId xmlns:a16="http://schemas.microsoft.com/office/drawing/2014/main" id="{79191FCE-45CC-FA4F-8CE8-FC4DF97457F7}"/>
+              </a:ext>
+            </a:extLst>
+          </p:cNvPr>
+          <p:cNvSpPr/>
+          <p:nvPr/>
+        </p:nvSpPr>
+        <p:spPr>
+          <a:xfrm rot="5400000">
+            <a:off x="3940628" y="859974"/>
+            <a:ext cx="348345" cy="5486399"/>
+          </a:xfrm>
+          <a:prstGeom prst="rightBrace">
+            <a:avLst/>
+          </a:prstGeom>
+          <a:ln w="19050"/>
+        </p:spPr>
+        <p:style>
+          <a:lnRef idx="1">
+            <a:schemeClr val="accent1"/>
+          </a:lnRef>
+          <a:fillRef idx="0">
+            <a:schemeClr val="accent1"/>
+          </a:fillRef>
+          <a:effectRef idx="0">
+            <a:schemeClr val="accent1"/>
+          </a:effectRef>
+          <a:fontRef idx="minor">
+            <a:schemeClr val="tx1"/>
+          </a:fontRef>
+        </p:style>
+        <p:txBody>
+          <a:bodyPr rtlCol="0" anchor="ctr"/>
+          <a:lstStyle/>
+          <a:p>
+            <a:pPr algn="ctr"/>
+            <a:endParaRPr lang="en-JP"/>
+          </a:p>
+        </p:txBody>
+      </p:sp>
+      <p:sp>
+        <p:nvSpPr>
+          <p:cNvPr id="7" name="TextBox 6">
+            <a:extLst>
+              <a:ext uri="{FF2B5EF4-FFF2-40B4-BE49-F238E27FC236}">
+                <a16:creationId xmlns:a16="http://schemas.microsoft.com/office/drawing/2014/main" id="{91DE5380-9AA7-F757-5A28-2AD4C6E806FF}"/>
+              </a:ext>
+            </a:extLst>
+          </p:cNvPr>
+          <p:cNvSpPr txBox="1"/>
+          <p:nvPr/>
+        </p:nvSpPr>
+        <p:spPr>
+          <a:xfrm>
+            <a:off x="4310743" y="1350612"/>
+            <a:ext cx="1338828" cy="369332"/>
+          </a:xfrm>
+          <a:prstGeom prst="rect">
+            <a:avLst/>
+          </a:prstGeom>
+          <a:noFill/>
+        </p:spPr>
+        <p:txBody>
+          <a:bodyPr wrap="none" rtlCol="0">
+            <a:spAutoFit/>
+          </a:bodyPr>
+          <a:lstStyle/>
+          <a:p>
+            <a:r>
+              <a:rPr lang="en-JP" dirty="0">
+                <a:latin typeface="Meiryo" panose="020B0604030504040204" pitchFamily="34" charset="-128"/>
+                <a:ea typeface="Meiryo" panose="020B0604030504040204" pitchFamily="34" charset="-128"/>
+              </a:rPr>
+              <a:t>訓連セット</a:t>
+            </a:r>
+          </a:p>
+        </p:txBody>
+      </p:sp>
+      <p:sp>
+        <p:nvSpPr>
+          <p:cNvPr id="8" name="Right Brace 7">
+            <a:extLst>
+              <a:ext uri="{FF2B5EF4-FFF2-40B4-BE49-F238E27FC236}">
+                <a16:creationId xmlns:a16="http://schemas.microsoft.com/office/drawing/2014/main" id="{E25210FE-75B7-B295-3388-C5D443F7495C}"/>
+              </a:ext>
+            </a:extLst>
+          </p:cNvPr>
+          <p:cNvSpPr/>
+          <p:nvPr/>
+        </p:nvSpPr>
+        <p:spPr>
+          <a:xfrm rot="16200000">
+            <a:off x="9024648" y="1121226"/>
+            <a:ext cx="369331" cy="1567543"/>
+          </a:xfrm>
+          <a:prstGeom prst="rightBrace">
+            <a:avLst/>
+          </a:prstGeom>
+          <a:ln w="19050"/>
+        </p:spPr>
+        <p:style>
+          <a:lnRef idx="1">
+            <a:schemeClr val="accent1"/>
+          </a:lnRef>
+          <a:fillRef idx="0">
+            <a:schemeClr val="accent1"/>
+          </a:fillRef>
+          <a:effectRef idx="0">
+            <a:schemeClr val="accent1"/>
+          </a:effectRef>
+          <a:fontRef idx="minor">
+            <a:schemeClr val="tx1"/>
+          </a:fontRef>
+        </p:style>
+        <p:txBody>
+          <a:bodyPr rtlCol="0" anchor="ctr"/>
+          <a:lstStyle/>
+          <a:p>
+            <a:pPr algn="ctr"/>
+            <a:endParaRPr lang="en-JP"/>
+          </a:p>
+        </p:txBody>
+      </p:sp>
+      <p:sp>
+        <p:nvSpPr>
+          <p:cNvPr id="9" name="TextBox 8">
+            <a:extLst>
+              <a:ext uri="{FF2B5EF4-FFF2-40B4-BE49-F238E27FC236}">
+                <a16:creationId xmlns:a16="http://schemas.microsoft.com/office/drawing/2014/main" id="{12BB3693-58B8-D57E-39D9-E86904C46FDD}"/>
+              </a:ext>
+            </a:extLst>
+          </p:cNvPr>
+          <p:cNvSpPr txBox="1"/>
+          <p:nvPr/>
+        </p:nvSpPr>
+        <p:spPr>
+          <a:xfrm>
+            <a:off x="8425542" y="1285101"/>
+            <a:ext cx="1567543" cy="369332"/>
+          </a:xfrm>
+          <a:prstGeom prst="rect">
+            <a:avLst/>
+          </a:prstGeom>
+          <a:noFill/>
+        </p:spPr>
+        <p:txBody>
+          <a:bodyPr wrap="square" rtlCol="0">
+            <a:spAutoFit/>
+          </a:bodyPr>
+          <a:lstStyle/>
+          <a:p>
+            <a:r>
+              <a:rPr lang="en-JP" dirty="0">
+                <a:latin typeface="Meiryo" panose="020B0604030504040204" pitchFamily="34" charset="-128"/>
+                <a:ea typeface="Meiryo" panose="020B0604030504040204" pitchFamily="34" charset="-128"/>
+              </a:rPr>
+              <a:t>テストセット</a:t>
+            </a:r>
+          </a:p>
+        </p:txBody>
+      </p:sp>
+      <p:sp>
+        <p:nvSpPr>
+          <p:cNvPr id="10" name="Right Brace 9">
+            <a:extLst>
+              <a:ext uri="{FF2B5EF4-FFF2-40B4-BE49-F238E27FC236}">
+                <a16:creationId xmlns:a16="http://schemas.microsoft.com/office/drawing/2014/main" id="{11D4A562-6840-E888-1A82-623BEBAD5D58}"/>
+              </a:ext>
+            </a:extLst>
+          </p:cNvPr>
+          <p:cNvSpPr/>
+          <p:nvPr/>
+        </p:nvSpPr>
+        <p:spPr>
+          <a:xfrm rot="16200000">
+            <a:off x="4724400" y="-1621974"/>
+            <a:ext cx="348342" cy="7053942"/>
+          </a:xfrm>
+          <a:prstGeom prst="rightBrace">
+            <a:avLst/>
+          </a:prstGeom>
+          <a:ln w="19050"/>
+        </p:spPr>
+        <p:style>
+          <a:lnRef idx="1">
+            <a:schemeClr val="accent1"/>
+          </a:lnRef>
+          <a:fillRef idx="0">
+            <a:schemeClr val="accent1"/>
+          </a:fillRef>
+          <a:effectRef idx="0">
+            <a:schemeClr val="accent1"/>
+          </a:effectRef>
+          <a:fontRef idx="minor">
+            <a:schemeClr val="tx1"/>
+          </a:fontRef>
+        </p:style>
+        <p:txBody>
+          <a:bodyPr rtlCol="0" anchor="ctr"/>
+          <a:lstStyle/>
+          <a:p>
+            <a:pPr algn="ctr"/>
+            <a:endParaRPr lang="en-JP" dirty="0"/>
+          </a:p>
+        </p:txBody>
+      </p:sp>
+      <p:sp>
+        <p:nvSpPr>
+          <p:cNvPr id="11" name="TextBox 10">
+            <a:extLst>
+              <a:ext uri="{FF2B5EF4-FFF2-40B4-BE49-F238E27FC236}">
+                <a16:creationId xmlns:a16="http://schemas.microsoft.com/office/drawing/2014/main" id="{E8AB1901-9437-974F-8332-3A998A964F0C}"/>
+              </a:ext>
+            </a:extLst>
+          </p:cNvPr>
+          <p:cNvSpPr txBox="1"/>
+          <p:nvPr/>
+        </p:nvSpPr>
+        <p:spPr>
+          <a:xfrm>
+            <a:off x="3407808" y="3831382"/>
+            <a:ext cx="1569660" cy="369332"/>
+          </a:xfrm>
+          <a:prstGeom prst="rect">
+            <a:avLst/>
+          </a:prstGeom>
+          <a:noFill/>
+        </p:spPr>
+        <p:txBody>
+          <a:bodyPr wrap="none" rtlCol="0">
+            <a:spAutoFit/>
+          </a:bodyPr>
+          <a:lstStyle/>
+          <a:p>
+            <a:r>
+              <a:rPr lang="en-JP" dirty="0">
+                <a:latin typeface="Meiryo" panose="020B0604030504040204" pitchFamily="34" charset="-128"/>
+                <a:ea typeface="Meiryo" panose="020B0604030504040204" pitchFamily="34" charset="-128"/>
+              </a:rPr>
+              <a:t>訓連用データ</a:t>
+            </a:r>
+          </a:p>
+        </p:txBody>
+      </p:sp>
+      <p:sp>
+        <p:nvSpPr>
+          <p:cNvPr id="12" name="Right Brace 11">
+            <a:extLst>
+              <a:ext uri="{FF2B5EF4-FFF2-40B4-BE49-F238E27FC236}">
+                <a16:creationId xmlns:a16="http://schemas.microsoft.com/office/drawing/2014/main" id="{D1A9791A-7E5D-8370-AA71-69B79E9E6368}"/>
+              </a:ext>
+            </a:extLst>
+          </p:cNvPr>
+          <p:cNvSpPr/>
+          <p:nvPr/>
+        </p:nvSpPr>
+        <p:spPr>
+          <a:xfrm rot="5400000">
+            <a:off x="7467596" y="2819399"/>
+            <a:ext cx="348345" cy="1567545"/>
+          </a:xfrm>
+          <a:prstGeom prst="rightBrace">
+            <a:avLst/>
+          </a:prstGeom>
+          <a:ln w="19050"/>
+        </p:spPr>
+        <p:style>
+          <a:lnRef idx="1">
+            <a:schemeClr val="accent1"/>
+          </a:lnRef>
+          <a:fillRef idx="0">
+            <a:schemeClr val="accent1"/>
+          </a:fillRef>
+          <a:effectRef idx="0">
+            <a:schemeClr val="accent1"/>
+          </a:effectRef>
+          <a:fontRef idx="minor">
+            <a:schemeClr val="tx1"/>
+          </a:fontRef>
+        </p:style>
+        <p:txBody>
+          <a:bodyPr rtlCol="0" anchor="ctr"/>
+          <a:lstStyle/>
+          <a:p>
+            <a:pPr algn="ctr"/>
+            <a:endParaRPr lang="en-JP"/>
+          </a:p>
+        </p:txBody>
+      </p:sp>
+      <p:sp>
+        <p:nvSpPr>
+          <p:cNvPr id="13" name="TextBox 12">
+            <a:extLst>
+              <a:ext uri="{FF2B5EF4-FFF2-40B4-BE49-F238E27FC236}">
+                <a16:creationId xmlns:a16="http://schemas.microsoft.com/office/drawing/2014/main" id="{A5EFD8F3-ADA6-7F20-79E5-B80E9FE001BB}"/>
+              </a:ext>
+            </a:extLst>
+          </p:cNvPr>
+          <p:cNvSpPr txBox="1"/>
+          <p:nvPr/>
+        </p:nvSpPr>
+        <p:spPr>
+          <a:xfrm>
+            <a:off x="6855881" y="3831382"/>
+            <a:ext cx="1569660" cy="369332"/>
+          </a:xfrm>
+          <a:prstGeom prst="rect">
+            <a:avLst/>
+          </a:prstGeom>
+          <a:noFill/>
+        </p:spPr>
+        <p:txBody>
+          <a:bodyPr wrap="none" rtlCol="0">
+            <a:spAutoFit/>
+          </a:bodyPr>
+          <a:lstStyle/>
+          <a:p>
+            <a:r>
+              <a:rPr lang="en-JP">
+                <a:latin typeface="Meiryo" panose="020B0604030504040204" pitchFamily="34" charset="-128"/>
+                <a:ea typeface="Meiryo" panose="020B0604030504040204" pitchFamily="34" charset="-128"/>
+              </a:rPr>
+              <a:t>検証用デ</a:t>
+            </a:r>
+            <a:r>
+              <a:rPr lang="en-JP" dirty="0">
+                <a:latin typeface="Meiryo" panose="020B0604030504040204" pitchFamily="34" charset="-128"/>
+                <a:ea typeface="Meiryo" panose="020B0604030504040204" pitchFamily="34" charset="-128"/>
+              </a:rPr>
+              <a:t>ータ</a:t>
+            </a:r>
+          </a:p>
+        </p:txBody>
+      </p:sp>
+    </p:spTree>
+    <p:extLst>
+      <p:ext uri="{BB962C8B-B14F-4D97-AF65-F5344CB8AC3E}">
+        <p14:creationId xmlns:p14="http://schemas.microsoft.com/office/powerpoint/2010/main" val="433441606"/>
+      </p:ext>
+    </p:extLst>
+  </p:cSld>
+  <p:clrMapOvr>
+    <a:masterClrMapping/>
+  </p:clrMapOvr>
+</p:sld>
+</file>
+
 <file path=ppt/theme/theme1.xml><?xml version="1.0" encoding="utf-8"?>
 <a:theme xmlns:a="http://schemas.openxmlformats.org/drawingml/2006/main" name="Office Theme">
   <a:themeElements>

--- a/figs.pptx
+++ b/figs.pptx
@@ -4103,18 +4103,11 @@
           <a:lstStyle/>
           <a:p>
             <a:r>
-              <a:rPr lang="en-JP">
-                <a:latin typeface="Meiryo" panose="020B0604030504040204" pitchFamily="34" charset="-128"/>
-                <a:ea typeface="Meiryo" panose="020B0604030504040204" pitchFamily="34" charset="-128"/>
-              </a:rPr>
-              <a:t>検証用デ</a:t>
-            </a:r>
-            <a:r>
               <a:rPr lang="en-JP" dirty="0">
                 <a:latin typeface="Meiryo" panose="020B0604030504040204" pitchFamily="34" charset="-128"/>
                 <a:ea typeface="Meiryo" panose="020B0604030504040204" pitchFamily="34" charset="-128"/>
               </a:rPr>
-              <a:t>ータ</a:t>
+              <a:t>検証用データ</a:t>
             </a:r>
           </a:p>
         </p:txBody>

--- a/figs.pptx
+++ b/figs.pptx
@@ -262,7 +262,7 @@
           <a:p>
             <a:fld id="{48F578B8-6E67-EF43-B0BC-E109812E9679}" type="datetimeFigureOut">
               <a:rPr lang="en-JP" smtClean="0"/>
-              <a:t>2023/01/02</a:t>
+              <a:t>2023/01/09</a:t>
             </a:fld>
             <a:endParaRPr lang="en-JP"/>
           </a:p>
@@ -462,7 +462,7 @@
           <a:p>
             <a:fld id="{48F578B8-6E67-EF43-B0BC-E109812E9679}" type="datetimeFigureOut">
               <a:rPr lang="en-JP" smtClean="0"/>
-              <a:t>2023/01/02</a:t>
+              <a:t>2023/01/09</a:t>
             </a:fld>
             <a:endParaRPr lang="en-JP"/>
           </a:p>
@@ -672,7 +672,7 @@
           <a:p>
             <a:fld id="{48F578B8-6E67-EF43-B0BC-E109812E9679}" type="datetimeFigureOut">
               <a:rPr lang="en-JP" smtClean="0"/>
-              <a:t>2023/01/02</a:t>
+              <a:t>2023/01/09</a:t>
             </a:fld>
             <a:endParaRPr lang="en-JP"/>
           </a:p>
@@ -872,7 +872,7 @@
           <a:p>
             <a:fld id="{48F578B8-6E67-EF43-B0BC-E109812E9679}" type="datetimeFigureOut">
               <a:rPr lang="en-JP" smtClean="0"/>
-              <a:t>2023/01/02</a:t>
+              <a:t>2023/01/09</a:t>
             </a:fld>
             <a:endParaRPr lang="en-JP"/>
           </a:p>
@@ -1148,7 +1148,7 @@
           <a:p>
             <a:fld id="{48F578B8-6E67-EF43-B0BC-E109812E9679}" type="datetimeFigureOut">
               <a:rPr lang="en-JP" smtClean="0"/>
-              <a:t>2023/01/02</a:t>
+              <a:t>2023/01/09</a:t>
             </a:fld>
             <a:endParaRPr lang="en-JP"/>
           </a:p>
@@ -1416,7 +1416,7 @@
           <a:p>
             <a:fld id="{48F578B8-6E67-EF43-B0BC-E109812E9679}" type="datetimeFigureOut">
               <a:rPr lang="en-JP" smtClean="0"/>
-              <a:t>2023/01/02</a:t>
+              <a:t>2023/01/09</a:t>
             </a:fld>
             <a:endParaRPr lang="en-JP"/>
           </a:p>
@@ -1831,7 +1831,7 @@
           <a:p>
             <a:fld id="{48F578B8-6E67-EF43-B0BC-E109812E9679}" type="datetimeFigureOut">
               <a:rPr lang="en-JP" smtClean="0"/>
-              <a:t>2023/01/02</a:t>
+              <a:t>2023/01/09</a:t>
             </a:fld>
             <a:endParaRPr lang="en-JP"/>
           </a:p>
@@ -1973,7 +1973,7 @@
           <a:p>
             <a:fld id="{48F578B8-6E67-EF43-B0BC-E109812E9679}" type="datetimeFigureOut">
               <a:rPr lang="en-JP" smtClean="0"/>
-              <a:t>2023/01/02</a:t>
+              <a:t>2023/01/09</a:t>
             </a:fld>
             <a:endParaRPr lang="en-JP"/>
           </a:p>
@@ -2086,7 +2086,7 @@
           <a:p>
             <a:fld id="{48F578B8-6E67-EF43-B0BC-E109812E9679}" type="datetimeFigureOut">
               <a:rPr lang="en-JP" smtClean="0"/>
-              <a:t>2023/01/02</a:t>
+              <a:t>2023/01/09</a:t>
             </a:fld>
             <a:endParaRPr lang="en-JP"/>
           </a:p>
@@ -2399,7 +2399,7 @@
           <a:p>
             <a:fld id="{48F578B8-6E67-EF43-B0BC-E109812E9679}" type="datetimeFigureOut">
               <a:rPr lang="en-JP" smtClean="0"/>
-              <a:t>2023/01/02</a:t>
+              <a:t>2023/01/09</a:t>
             </a:fld>
             <a:endParaRPr lang="en-JP"/>
           </a:p>
@@ -2688,7 +2688,7 @@
           <a:p>
             <a:fld id="{48F578B8-6E67-EF43-B0BC-E109812E9679}" type="datetimeFigureOut">
               <a:rPr lang="en-JP" smtClean="0"/>
-              <a:t>2023/01/02</a:t>
+              <a:t>2023/01/09</a:t>
             </a:fld>
             <a:endParaRPr lang="en-JP"/>
           </a:p>
@@ -2931,7 +2931,7 @@
           <a:p>
             <a:fld id="{48F578B8-6E67-EF43-B0BC-E109812E9679}" type="datetimeFigureOut">
               <a:rPr lang="en-JP" smtClean="0"/>
-              <a:t>2023/01/02</a:t>
+              <a:t>2023/01/09</a:t>
             </a:fld>
             <a:endParaRPr lang="en-JP"/>
           </a:p>

--- a/figs.pptx
+++ b/figs.pptx
@@ -266,7 +266,7 @@
           <a:p>
             <a:fld id="{48F578B8-6E67-EF43-B0BC-E109812E9679}" type="datetimeFigureOut">
               <a:rPr lang="en-JP" smtClean="0"/>
-              <a:t>2023/01/09</a:t>
+              <a:t>2023/01/23</a:t>
             </a:fld>
             <a:endParaRPr lang="en-JP"/>
           </a:p>
@@ -466,7 +466,7 @@
           <a:p>
             <a:fld id="{48F578B8-6E67-EF43-B0BC-E109812E9679}" type="datetimeFigureOut">
               <a:rPr lang="en-JP" smtClean="0"/>
-              <a:t>2023/01/09</a:t>
+              <a:t>2023/01/23</a:t>
             </a:fld>
             <a:endParaRPr lang="en-JP"/>
           </a:p>
@@ -676,7 +676,7 @@
           <a:p>
             <a:fld id="{48F578B8-6E67-EF43-B0BC-E109812E9679}" type="datetimeFigureOut">
               <a:rPr lang="en-JP" smtClean="0"/>
-              <a:t>2023/01/09</a:t>
+              <a:t>2023/01/23</a:t>
             </a:fld>
             <a:endParaRPr lang="en-JP"/>
           </a:p>
@@ -876,7 +876,7 @@
           <a:p>
             <a:fld id="{48F578B8-6E67-EF43-B0BC-E109812E9679}" type="datetimeFigureOut">
               <a:rPr lang="en-JP" smtClean="0"/>
-              <a:t>2023/01/09</a:t>
+              <a:t>2023/01/23</a:t>
             </a:fld>
             <a:endParaRPr lang="en-JP"/>
           </a:p>
@@ -1152,7 +1152,7 @@
           <a:p>
             <a:fld id="{48F578B8-6E67-EF43-B0BC-E109812E9679}" type="datetimeFigureOut">
               <a:rPr lang="en-JP" smtClean="0"/>
-              <a:t>2023/01/09</a:t>
+              <a:t>2023/01/23</a:t>
             </a:fld>
             <a:endParaRPr lang="en-JP"/>
           </a:p>
@@ -1420,7 +1420,7 @@
           <a:p>
             <a:fld id="{48F578B8-6E67-EF43-B0BC-E109812E9679}" type="datetimeFigureOut">
               <a:rPr lang="en-JP" smtClean="0"/>
-              <a:t>2023/01/09</a:t>
+              <a:t>2023/01/23</a:t>
             </a:fld>
             <a:endParaRPr lang="en-JP"/>
           </a:p>
@@ -1835,7 +1835,7 @@
           <a:p>
             <a:fld id="{48F578B8-6E67-EF43-B0BC-E109812E9679}" type="datetimeFigureOut">
               <a:rPr lang="en-JP" smtClean="0"/>
-              <a:t>2023/01/09</a:t>
+              <a:t>2023/01/23</a:t>
             </a:fld>
             <a:endParaRPr lang="en-JP"/>
           </a:p>
@@ -1977,7 +1977,7 @@
           <a:p>
             <a:fld id="{48F578B8-6E67-EF43-B0BC-E109812E9679}" type="datetimeFigureOut">
               <a:rPr lang="en-JP" smtClean="0"/>
-              <a:t>2023/01/09</a:t>
+              <a:t>2023/01/23</a:t>
             </a:fld>
             <a:endParaRPr lang="en-JP"/>
           </a:p>
@@ -2090,7 +2090,7 @@
           <a:p>
             <a:fld id="{48F578B8-6E67-EF43-B0BC-E109812E9679}" type="datetimeFigureOut">
               <a:rPr lang="en-JP" smtClean="0"/>
-              <a:t>2023/01/09</a:t>
+              <a:t>2023/01/23</a:t>
             </a:fld>
             <a:endParaRPr lang="en-JP"/>
           </a:p>
@@ -2403,7 +2403,7 @@
           <a:p>
             <a:fld id="{48F578B8-6E67-EF43-B0BC-E109812E9679}" type="datetimeFigureOut">
               <a:rPr lang="en-JP" smtClean="0"/>
-              <a:t>2023/01/09</a:t>
+              <a:t>2023/01/23</a:t>
             </a:fld>
             <a:endParaRPr lang="en-JP"/>
           </a:p>
@@ -2692,7 +2692,7 @@
           <a:p>
             <a:fld id="{48F578B8-6E67-EF43-B0BC-E109812E9679}" type="datetimeFigureOut">
               <a:rPr lang="en-JP" smtClean="0"/>
-              <a:t>2023/01/09</a:t>
+              <a:t>2023/01/23</a:t>
             </a:fld>
             <a:endParaRPr lang="en-JP"/>
           </a:p>
@@ -2935,7 +2935,7 @@
           <a:p>
             <a:fld id="{48F578B8-6E67-EF43-B0BC-E109812E9679}" type="datetimeFigureOut">
               <a:rPr lang="en-JP" smtClean="0"/>
-              <a:t>2023/01/09</a:t>
+              <a:t>2023/01/23</a:t>
             </a:fld>
             <a:endParaRPr lang="en-JP"/>
           </a:p>
@@ -3862,7 +3862,7 @@
                 <a:latin typeface="Meiryo" panose="020B0604030504040204" pitchFamily="34" charset="-128"/>
                 <a:ea typeface="Meiryo" panose="020B0604030504040204" pitchFamily="34" charset="-128"/>
               </a:rPr>
-              <a:t>訓連セット</a:t>
+              <a:t>訓練セット</a:t>
             </a:r>
           </a:p>
         </p:txBody>
@@ -4024,11 +4024,18 @@
           <a:lstStyle/>
           <a:p>
             <a:r>
+              <a:rPr lang="en-JP">
+                <a:latin typeface="Meiryo" panose="020B0604030504040204" pitchFamily="34" charset="-128"/>
+                <a:ea typeface="Meiryo" panose="020B0604030504040204" pitchFamily="34" charset="-128"/>
+              </a:rPr>
+              <a:t>訓練用デ</a:t>
+            </a:r>
+            <a:r>
               <a:rPr lang="en-JP" dirty="0">
                 <a:latin typeface="Meiryo" panose="020B0604030504040204" pitchFamily="34" charset="-128"/>
                 <a:ea typeface="Meiryo" panose="020B0604030504040204" pitchFamily="34" charset="-128"/>
               </a:rPr>
-              <a:t>訓連用データ</a:t>
+              <a:t>ータ</a:t>
             </a:r>
           </a:p>
         </p:txBody>
